--- a/Pac-man.pptx
+++ b/Pac-man.pptx
@@ -122,6 +122,9 @@
         </p14:section>
       </p14:sectionLst>
     </p:ext>
+    <p:ext uri="{EFAFB233-063F-42B5-8137-9DF3F51BA10A}">
+      <p15:sldGuideLst xmlns:p15="http://schemas.microsoft.com/office/powerpoint/2012/main"/>
+    </p:ext>
   </p:extLst>
 </p:presentation>
 </file>
@@ -273,7 +276,7 @@
           <a:p>
             <a:fld id="{A9114876-3F3C-4FEE-AB1E-5F3003E0A156}" type="datetimeFigureOut">
               <a:rPr lang="ru-RU" smtClean="0"/>
-              <a:t>10.01.2024</a:t>
+              <a:t>11.01.2024</a:t>
             </a:fld>
             <a:endParaRPr lang="ru-RU"/>
           </a:p>
@@ -471,7 +474,7 @@
           <a:p>
             <a:fld id="{A9114876-3F3C-4FEE-AB1E-5F3003E0A156}" type="datetimeFigureOut">
               <a:rPr lang="ru-RU" smtClean="0"/>
-              <a:t>10.01.2024</a:t>
+              <a:t>11.01.2024</a:t>
             </a:fld>
             <a:endParaRPr lang="ru-RU"/>
           </a:p>
@@ -679,7 +682,7 @@
           <a:p>
             <a:fld id="{A9114876-3F3C-4FEE-AB1E-5F3003E0A156}" type="datetimeFigureOut">
               <a:rPr lang="ru-RU" smtClean="0"/>
-              <a:t>10.01.2024</a:t>
+              <a:t>11.01.2024</a:t>
             </a:fld>
             <a:endParaRPr lang="ru-RU"/>
           </a:p>
@@ -877,7 +880,7 @@
           <a:p>
             <a:fld id="{A9114876-3F3C-4FEE-AB1E-5F3003E0A156}" type="datetimeFigureOut">
               <a:rPr lang="ru-RU" smtClean="0"/>
-              <a:t>10.01.2024</a:t>
+              <a:t>11.01.2024</a:t>
             </a:fld>
             <a:endParaRPr lang="ru-RU"/>
           </a:p>
@@ -1152,7 +1155,7 @@
           <a:p>
             <a:fld id="{A9114876-3F3C-4FEE-AB1E-5F3003E0A156}" type="datetimeFigureOut">
               <a:rPr lang="ru-RU" smtClean="0"/>
-              <a:t>10.01.2024</a:t>
+              <a:t>11.01.2024</a:t>
             </a:fld>
             <a:endParaRPr lang="ru-RU"/>
           </a:p>
@@ -1417,7 +1420,7 @@
           <a:p>
             <a:fld id="{A9114876-3F3C-4FEE-AB1E-5F3003E0A156}" type="datetimeFigureOut">
               <a:rPr lang="ru-RU" smtClean="0"/>
-              <a:t>10.01.2024</a:t>
+              <a:t>11.01.2024</a:t>
             </a:fld>
             <a:endParaRPr lang="ru-RU"/>
           </a:p>
@@ -1829,7 +1832,7 @@
           <a:p>
             <a:fld id="{A9114876-3F3C-4FEE-AB1E-5F3003E0A156}" type="datetimeFigureOut">
               <a:rPr lang="ru-RU" smtClean="0"/>
-              <a:t>10.01.2024</a:t>
+              <a:t>11.01.2024</a:t>
             </a:fld>
             <a:endParaRPr lang="ru-RU"/>
           </a:p>
@@ -1970,7 +1973,7 @@
           <a:p>
             <a:fld id="{A9114876-3F3C-4FEE-AB1E-5F3003E0A156}" type="datetimeFigureOut">
               <a:rPr lang="ru-RU" smtClean="0"/>
-              <a:t>10.01.2024</a:t>
+              <a:t>11.01.2024</a:t>
             </a:fld>
             <a:endParaRPr lang="ru-RU"/>
           </a:p>
@@ -2083,7 +2086,7 @@
           <a:p>
             <a:fld id="{A9114876-3F3C-4FEE-AB1E-5F3003E0A156}" type="datetimeFigureOut">
               <a:rPr lang="ru-RU" smtClean="0"/>
-              <a:t>10.01.2024</a:t>
+              <a:t>11.01.2024</a:t>
             </a:fld>
             <a:endParaRPr lang="ru-RU"/>
           </a:p>
@@ -2394,7 +2397,7 @@
           <a:p>
             <a:fld id="{A9114876-3F3C-4FEE-AB1E-5F3003E0A156}" type="datetimeFigureOut">
               <a:rPr lang="ru-RU" smtClean="0"/>
-              <a:t>10.01.2024</a:t>
+              <a:t>11.01.2024</a:t>
             </a:fld>
             <a:endParaRPr lang="ru-RU"/>
           </a:p>
@@ -2682,7 +2685,7 @@
           <a:p>
             <a:fld id="{A9114876-3F3C-4FEE-AB1E-5F3003E0A156}" type="datetimeFigureOut">
               <a:rPr lang="ru-RU" smtClean="0"/>
-              <a:t>10.01.2024</a:t>
+              <a:t>11.01.2024</a:t>
             </a:fld>
             <a:endParaRPr lang="ru-RU"/>
           </a:p>
@@ -2948,7 +2951,7 @@
           <a:p>
             <a:fld id="{A9114876-3F3C-4FEE-AB1E-5F3003E0A156}" type="datetimeFigureOut">
               <a:rPr lang="ru-RU" smtClean="0"/>
-              <a:t>10.01.2024</a:t>
+              <a:t>11.01.2024</a:t>
             </a:fld>
             <a:endParaRPr lang="ru-RU"/>
           </a:p>
@@ -4153,13 +4156,13 @@
   <p:clrMapOvr>
     <a:masterClrMapping/>
   </p:clrMapOvr>
-  <mc:AlternateContent xmlns:mc="http://schemas.openxmlformats.org/markup-compatibility/2006">
-    <mc:Choice xmlns:p14="http://schemas.microsoft.com/office/powerpoint/2010/main" Requires="p14">
+  <mc:AlternateContent xmlns:mc="http://schemas.openxmlformats.org/markup-compatibility/2006" xmlns:p14="http://schemas.microsoft.com/office/powerpoint/2010/main">
+    <mc:Choice Requires="p14">
       <p:transition spd="slow" p14:dur="800">
         <p:circle/>
       </p:transition>
     </mc:Choice>
-    <mc:Fallback>
+    <mc:Fallback xmlns="">
       <p:transition spd="slow">
         <p:circle/>
       </p:transition>
@@ -4291,13 +4294,13 @@
   <p:clrMapOvr>
     <a:masterClrMapping/>
   </p:clrMapOvr>
-  <mc:AlternateContent xmlns:mc="http://schemas.openxmlformats.org/markup-compatibility/2006">
-    <mc:Choice xmlns:p14="http://schemas.microsoft.com/office/powerpoint/2010/main" Requires="p14">
+  <mc:AlternateContent xmlns:mc="http://schemas.openxmlformats.org/markup-compatibility/2006" xmlns:p14="http://schemas.microsoft.com/office/powerpoint/2010/main">
+    <mc:Choice Requires="p14">
       <p:transition spd="slow" p14:dur="800">
         <p:circle/>
       </p:transition>
     </mc:Choice>
-    <mc:Fallback>
+    <mc:Fallback xmlns="">
       <p:transition spd="slow">
         <p:circle/>
       </p:transition>
@@ -4325,10 +4328,10 @@
       </p:grpSpPr>
       <p:sp>
         <p:nvSpPr>
-          <p:cNvPr id="2" name="Заголовок 1">
-            <a:extLst>
-              <a:ext uri="{FF2B5EF4-FFF2-40B4-BE49-F238E27FC236}">
-                <a16:creationId xmlns:a16="http://schemas.microsoft.com/office/drawing/2014/main" id="{E3E76E33-FE5E-4CD9-AD41-B262BE44355A}"/>
+          <p:cNvPr id="4" name="Заголовок 3">
+            <a:extLst>
+              <a:ext uri="{FF2B5EF4-FFF2-40B4-BE49-F238E27FC236}">
+                <a16:creationId xmlns:a16="http://schemas.microsoft.com/office/drawing/2014/main" id="{B14FD896-34FE-41D0-8ECC-776BC6E52D48}"/>
               </a:ext>
             </a:extLst>
           </p:cNvPr>
@@ -4339,37 +4342,51 @@
             <p:ph type="title"/>
           </p:nvPr>
         </p:nvSpPr>
+        <p:spPr>
+          <a:xfrm>
+            <a:off x="2337748" y="3018125"/>
+            <a:ext cx="7516503" cy="821749"/>
+          </a:xfrm>
+        </p:spPr>
+        <p:txBody>
+          <a:bodyPr>
+            <a:normAutofit fontScale="90000"/>
+          </a:bodyPr>
+          <a:lstStyle/>
+          <a:p>
+            <a:r>
+              <a:rPr lang="ru-RU" dirty="0">
+                <a:solidFill>
+                  <a:srgbClr val="FFFF00"/>
+                </a:solidFill>
+              </a:rPr>
+              <a:t>Спасибо за внимание!</a:t>
+            </a:r>
+          </a:p>
+        </p:txBody>
+      </p:sp>
+      <p:sp>
+        <p:nvSpPr>
+          <p:cNvPr id="5" name="Текст 4">
+            <a:extLst>
+              <a:ext uri="{FF2B5EF4-FFF2-40B4-BE49-F238E27FC236}">
+                <a16:creationId xmlns:a16="http://schemas.microsoft.com/office/drawing/2014/main" id="{2F0F5488-709B-449E-9283-90844790F95A}"/>
+              </a:ext>
+            </a:extLst>
+          </p:cNvPr>
+          <p:cNvSpPr>
+            <a:spLocks noGrp="1"/>
+          </p:cNvSpPr>
+          <p:nvPr>
+            <p:ph type="body" idx="1"/>
+          </p:nvPr>
+        </p:nvSpPr>
         <p:spPr/>
         <p:txBody>
           <a:bodyPr/>
           <a:lstStyle/>
           <a:p>
-            <a:endParaRPr lang="ru-RU"/>
-          </a:p>
-        </p:txBody>
-      </p:sp>
-      <p:sp>
-        <p:nvSpPr>
-          <p:cNvPr id="3" name="Объект 2">
-            <a:extLst>
-              <a:ext uri="{FF2B5EF4-FFF2-40B4-BE49-F238E27FC236}">
-                <a16:creationId xmlns:a16="http://schemas.microsoft.com/office/drawing/2014/main" id="{050AD8D9-BB36-4266-A6B8-B013991CF1F9}"/>
-              </a:ext>
-            </a:extLst>
-          </p:cNvPr>
-          <p:cNvSpPr>
-            <a:spLocks noGrp="1"/>
-          </p:cNvSpPr>
-          <p:nvPr>
-            <p:ph idx="1"/>
-          </p:nvPr>
-        </p:nvSpPr>
-        <p:spPr/>
-        <p:txBody>
-          <a:bodyPr/>
-          <a:lstStyle/>
-          <a:p>
-            <a:endParaRPr lang="ru-RU"/>
+            <a:endParaRPr lang="ru-RU" dirty="0"/>
           </a:p>
         </p:txBody>
       </p:sp>
@@ -4383,6 +4400,18 @@
   <p:clrMapOvr>
     <a:masterClrMapping/>
   </p:clrMapOvr>
+  <mc:AlternateContent xmlns:mc="http://schemas.openxmlformats.org/markup-compatibility/2006">
+    <mc:Choice xmlns:p14="http://schemas.microsoft.com/office/powerpoint/2010/main" Requires="p14">
+      <p:transition spd="slow" p14:dur="1400">
+        <p14:ripple/>
+      </p:transition>
+    </mc:Choice>
+    <mc:Fallback>
+      <p:transition spd="slow">
+        <p:fade/>
+      </p:transition>
+    </mc:Fallback>
+  </mc:AlternateContent>
 </p:sld>
 </file>
 

--- a/Pac-man.pptx
+++ b/Pac-man.pptx
@@ -276,7 +276,7 @@
           <a:p>
             <a:fld id="{A9114876-3F3C-4FEE-AB1E-5F3003E0A156}" type="datetimeFigureOut">
               <a:rPr lang="ru-RU" smtClean="0"/>
-              <a:t>11.01.2024</a:t>
+              <a:t>16.01.2024</a:t>
             </a:fld>
             <a:endParaRPr lang="ru-RU"/>
           </a:p>
@@ -474,7 +474,7 @@
           <a:p>
             <a:fld id="{A9114876-3F3C-4FEE-AB1E-5F3003E0A156}" type="datetimeFigureOut">
               <a:rPr lang="ru-RU" smtClean="0"/>
-              <a:t>11.01.2024</a:t>
+              <a:t>16.01.2024</a:t>
             </a:fld>
             <a:endParaRPr lang="ru-RU"/>
           </a:p>
@@ -682,7 +682,7 @@
           <a:p>
             <a:fld id="{A9114876-3F3C-4FEE-AB1E-5F3003E0A156}" type="datetimeFigureOut">
               <a:rPr lang="ru-RU" smtClean="0"/>
-              <a:t>11.01.2024</a:t>
+              <a:t>16.01.2024</a:t>
             </a:fld>
             <a:endParaRPr lang="ru-RU"/>
           </a:p>
@@ -880,7 +880,7 @@
           <a:p>
             <a:fld id="{A9114876-3F3C-4FEE-AB1E-5F3003E0A156}" type="datetimeFigureOut">
               <a:rPr lang="ru-RU" smtClean="0"/>
-              <a:t>11.01.2024</a:t>
+              <a:t>16.01.2024</a:t>
             </a:fld>
             <a:endParaRPr lang="ru-RU"/>
           </a:p>
@@ -1155,7 +1155,7 @@
           <a:p>
             <a:fld id="{A9114876-3F3C-4FEE-AB1E-5F3003E0A156}" type="datetimeFigureOut">
               <a:rPr lang="ru-RU" smtClean="0"/>
-              <a:t>11.01.2024</a:t>
+              <a:t>16.01.2024</a:t>
             </a:fld>
             <a:endParaRPr lang="ru-RU"/>
           </a:p>
@@ -1420,7 +1420,7 @@
           <a:p>
             <a:fld id="{A9114876-3F3C-4FEE-AB1E-5F3003E0A156}" type="datetimeFigureOut">
               <a:rPr lang="ru-RU" smtClean="0"/>
-              <a:t>11.01.2024</a:t>
+              <a:t>16.01.2024</a:t>
             </a:fld>
             <a:endParaRPr lang="ru-RU"/>
           </a:p>
@@ -1832,7 +1832,7 @@
           <a:p>
             <a:fld id="{A9114876-3F3C-4FEE-AB1E-5F3003E0A156}" type="datetimeFigureOut">
               <a:rPr lang="ru-RU" smtClean="0"/>
-              <a:t>11.01.2024</a:t>
+              <a:t>16.01.2024</a:t>
             </a:fld>
             <a:endParaRPr lang="ru-RU"/>
           </a:p>
@@ -1973,7 +1973,7 @@
           <a:p>
             <a:fld id="{A9114876-3F3C-4FEE-AB1E-5F3003E0A156}" type="datetimeFigureOut">
               <a:rPr lang="ru-RU" smtClean="0"/>
-              <a:t>11.01.2024</a:t>
+              <a:t>16.01.2024</a:t>
             </a:fld>
             <a:endParaRPr lang="ru-RU"/>
           </a:p>
@@ -2086,7 +2086,7 @@
           <a:p>
             <a:fld id="{A9114876-3F3C-4FEE-AB1E-5F3003E0A156}" type="datetimeFigureOut">
               <a:rPr lang="ru-RU" smtClean="0"/>
-              <a:t>11.01.2024</a:t>
+              <a:t>16.01.2024</a:t>
             </a:fld>
             <a:endParaRPr lang="ru-RU"/>
           </a:p>
@@ -2397,7 +2397,7 @@
           <a:p>
             <a:fld id="{A9114876-3F3C-4FEE-AB1E-5F3003E0A156}" type="datetimeFigureOut">
               <a:rPr lang="ru-RU" smtClean="0"/>
-              <a:t>11.01.2024</a:t>
+              <a:t>16.01.2024</a:t>
             </a:fld>
             <a:endParaRPr lang="ru-RU"/>
           </a:p>
@@ -2685,7 +2685,7 @@
           <a:p>
             <a:fld id="{A9114876-3F3C-4FEE-AB1E-5F3003E0A156}" type="datetimeFigureOut">
               <a:rPr lang="ru-RU" smtClean="0"/>
-              <a:t>11.01.2024</a:t>
+              <a:t>16.01.2024</a:t>
             </a:fld>
             <a:endParaRPr lang="ru-RU"/>
           </a:p>
@@ -2951,7 +2951,7 @@
           <a:p>
             <a:fld id="{A9114876-3F3C-4FEE-AB1E-5F3003E0A156}" type="datetimeFigureOut">
               <a:rPr lang="ru-RU" smtClean="0"/>
-              <a:t>11.01.2024</a:t>
+              <a:t>16.01.2024</a:t>
             </a:fld>
             <a:endParaRPr lang="ru-RU"/>
           </a:p>
@@ -3469,58 +3469,94 @@
           <a:chExt cx="0" cy="0"/>
         </a:xfrm>
       </p:grpSpPr>
-      <p:sp>
-        <p:nvSpPr>
-          <p:cNvPr id="2" name="Заголовок 1">
-            <a:extLst>
-              <a:ext uri="{FF2B5EF4-FFF2-40B4-BE49-F238E27FC236}">
-                <a16:creationId xmlns:a16="http://schemas.microsoft.com/office/drawing/2014/main" id="{852DF4CD-2D13-46F2-8677-BFBE92017102}"/>
-              </a:ext>
-            </a:extLst>
-          </p:cNvPr>
-          <p:cNvSpPr>
-            <a:spLocks noGrp="1"/>
-          </p:cNvSpPr>
-          <p:nvPr>
-            <p:ph type="title"/>
-          </p:nvPr>
-        </p:nvSpPr>
-        <p:spPr/>
-        <p:txBody>
-          <a:bodyPr/>
-          <a:lstStyle/>
-          <a:p>
-            <a:r>
-              <a:rPr lang="ru-RU" dirty="0">
-                <a:solidFill>
-                  <a:srgbClr val="FFFF00"/>
-                </a:solidFill>
-              </a:rPr>
-              <a:t>История</a:t>
-            </a:r>
-          </a:p>
-        </p:txBody>
-      </p:sp>
-      <p:sp>
-        <p:nvSpPr>
-          <p:cNvPr id="3" name="Объект 2">
-            <a:extLst>
-              <a:ext uri="{FF2B5EF4-FFF2-40B4-BE49-F238E27FC236}">
-                <a16:creationId xmlns:a16="http://schemas.microsoft.com/office/drawing/2014/main" id="{D358EBF1-22BA-43EF-9B83-60DB9546E3DC}"/>
-              </a:ext>
-            </a:extLst>
-          </p:cNvPr>
-          <p:cNvSpPr>
-            <a:spLocks noGrp="1"/>
-          </p:cNvSpPr>
-          <p:nvPr>
-            <p:ph idx="1"/>
-          </p:nvPr>
-        </p:nvSpPr>
+      <p:pic>
+        <p:nvPicPr>
+          <p:cNvPr id="9" name="Рисунок 8">
+            <a:extLst>
+              <a:ext uri="{FF2B5EF4-FFF2-40B4-BE49-F238E27FC236}">
+                <a16:creationId xmlns:a16="http://schemas.microsoft.com/office/drawing/2014/main" id="{7F9F563C-03C6-411C-A2A0-BEAD56BF5D6D}"/>
+              </a:ext>
+            </a:extLst>
+          </p:cNvPr>
+          <p:cNvPicPr>
+            <a:picLocks noChangeAspect="1"/>
+          </p:cNvPicPr>
+          <p:nvPr/>
+        </p:nvPicPr>
+        <p:blipFill>
+          <a:blip r:embed="rId2">
+            <a:extLst>
+              <a:ext uri="{28A0092B-C50C-407E-A947-70E740481C1C}">
+                <a14:useLocalDpi xmlns:a14="http://schemas.microsoft.com/office/drawing/2010/main" val="0"/>
+              </a:ext>
+            </a:extLst>
+          </a:blip>
+          <a:stretch>
+            <a:fillRect/>
+          </a:stretch>
+        </p:blipFill>
         <p:spPr>
           <a:xfrm>
-            <a:off x="838200" y="1825625"/>
-            <a:ext cx="7945582" cy="4351338"/>
+            <a:off x="838200" y="467651"/>
+            <a:ext cx="10515600" cy="5932447"/>
+          </a:xfrm>
+          <a:prstGeom prst="rect">
+            <a:avLst/>
+          </a:prstGeom>
+        </p:spPr>
+      </p:pic>
+      <p:sp>
+        <p:nvSpPr>
+          <p:cNvPr id="2" name="Заголовок 1">
+            <a:extLst>
+              <a:ext uri="{FF2B5EF4-FFF2-40B4-BE49-F238E27FC236}">
+                <a16:creationId xmlns:a16="http://schemas.microsoft.com/office/drawing/2014/main" id="{852DF4CD-2D13-46F2-8677-BFBE92017102}"/>
+              </a:ext>
+            </a:extLst>
+          </p:cNvPr>
+          <p:cNvSpPr>
+            <a:spLocks noGrp="1"/>
+          </p:cNvSpPr>
+          <p:nvPr>
+            <p:ph type="title"/>
+          </p:nvPr>
+        </p:nvSpPr>
+        <p:spPr/>
+        <p:txBody>
+          <a:bodyPr/>
+          <a:lstStyle/>
+          <a:p>
+            <a:r>
+              <a:rPr lang="ru-RU" dirty="0">
+                <a:solidFill>
+                  <a:srgbClr val="FFFF00"/>
+                </a:solidFill>
+              </a:rPr>
+              <a:t>История</a:t>
+            </a:r>
+          </a:p>
+        </p:txBody>
+      </p:sp>
+      <p:sp>
+        <p:nvSpPr>
+          <p:cNvPr id="3" name="Объект 2">
+            <a:extLst>
+              <a:ext uri="{FF2B5EF4-FFF2-40B4-BE49-F238E27FC236}">
+                <a16:creationId xmlns:a16="http://schemas.microsoft.com/office/drawing/2014/main" id="{D358EBF1-22BA-43EF-9B83-60DB9546E3DC}"/>
+              </a:ext>
+            </a:extLst>
+          </p:cNvPr>
+          <p:cNvSpPr>
+            <a:spLocks noGrp="1"/>
+          </p:cNvSpPr>
+          <p:nvPr>
+            <p:ph idx="1"/>
+          </p:nvPr>
+        </p:nvSpPr>
+        <p:spPr>
+          <a:xfrm>
+            <a:off x="838199" y="1623744"/>
+            <a:ext cx="10411597" cy="4351338"/>
           </a:xfrm>
         </p:spPr>
         <p:txBody>
@@ -3531,7 +3567,7 @@
           <a:p>
             <a:pPr algn="l"/>
             <a:r>
-              <a:rPr lang="en-US" sz="2200" b="1" i="1" dirty="0">
+              <a:rPr lang="en-US" sz="1800" b="1" i="1" dirty="0">
                 <a:solidFill>
                   <a:srgbClr val="FFFF00"/>
                 </a:solidFill>
@@ -3540,7 +3576,7 @@
               <a:t>Pac-Man</a:t>
             </a:r>
             <a:r>
-              <a:rPr lang="en-US" sz="2200" b="0" i="0" dirty="0">
+              <a:rPr lang="en-US" sz="1800" b="0" i="0" dirty="0">
                 <a:solidFill>
                   <a:srgbClr val="FFFF00"/>
                 </a:solidFill>
@@ -3549,7 +3585,7 @@
               <a:t> (</a:t>
             </a:r>
             <a:r>
-              <a:rPr lang="ru-RU" sz="2200" b="0" i="0" dirty="0">
+              <a:rPr lang="ru-RU" sz="1800" b="0" i="0" dirty="0">
                 <a:solidFill>
                   <a:srgbClr val="FFFF00"/>
                 </a:solidFill>
@@ -3558,7 +3594,7 @@
               <a:t>с </a:t>
             </a:r>
             <a:r>
-              <a:rPr lang="ru-RU" sz="2200" dirty="0">
+              <a:rPr lang="ru-RU" sz="1800" dirty="0">
                 <a:solidFill>
                   <a:srgbClr val="FFFF00"/>
                 </a:solidFill>
@@ -3566,7 +3602,7 @@
               <a:t>англ.</a:t>
             </a:r>
             <a:r>
-              <a:rPr lang="ru-RU" sz="2200" b="0" i="0" dirty="0">
+              <a:rPr lang="ru-RU" sz="1800" b="0" i="0" dirty="0">
                 <a:solidFill>
                   <a:srgbClr val="FFFF00"/>
                 </a:solidFill>
@@ -3575,7 +3611,7 @@
               <a:t> — «</a:t>
             </a:r>
             <a:r>
-              <a:rPr lang="ru-RU" sz="2200" b="0" i="0" dirty="0" err="1">
+              <a:rPr lang="ru-RU" sz="1800" b="0" i="0" dirty="0" err="1">
                 <a:solidFill>
                   <a:srgbClr val="FFFF00"/>
                 </a:solidFill>
@@ -3584,7 +3620,7 @@
               <a:t>Па́кман</a:t>
             </a:r>
             <a:r>
-              <a:rPr lang="ru-RU" sz="2200" b="0" i="0" dirty="0">
+              <a:rPr lang="ru-RU" sz="1800" b="0" i="0" dirty="0">
                 <a:solidFill>
                   <a:srgbClr val="FFFF00"/>
                 </a:solidFill>
@@ -3593,7 +3629,7 @@
               <a:t>») — </a:t>
             </a:r>
             <a:r>
-              <a:rPr lang="ru-RU" sz="2200" dirty="0">
+              <a:rPr lang="ru-RU" sz="1800" dirty="0">
                 <a:solidFill>
                   <a:srgbClr val="FFFF00"/>
                 </a:solidFill>
@@ -3601,7 +3637,7 @@
               <a:t>аркадная видеоигра</a:t>
             </a:r>
             <a:r>
-              <a:rPr lang="ru-RU" sz="2200" b="0" i="0" dirty="0">
+              <a:rPr lang="ru-RU" sz="1800" b="0" i="0" dirty="0">
                 <a:solidFill>
                   <a:srgbClr val="FFFF00"/>
                 </a:solidFill>
@@ -3610,7 +3646,7 @@
               <a:t>, разработанная японской компанией </a:t>
             </a:r>
             <a:r>
-              <a:rPr lang="en-US" sz="2200" dirty="0">
+              <a:rPr lang="en-US" sz="1800" dirty="0">
                 <a:solidFill>
                   <a:srgbClr val="FFFF00"/>
                 </a:solidFill>
@@ -3618,7 +3654,7 @@
               <a:t>Namco</a:t>
             </a:r>
             <a:r>
-              <a:rPr lang="en-US" sz="2200" b="0" i="0" dirty="0">
+              <a:rPr lang="en-US" sz="1800" b="0" i="0" dirty="0">
                 <a:solidFill>
                   <a:srgbClr val="FFFF00"/>
                 </a:solidFill>
@@ -3627,7 +3663,7 @@
               <a:t> </a:t>
             </a:r>
             <a:r>
-              <a:rPr lang="ru-RU" sz="2200" b="0" i="0" dirty="0">
+              <a:rPr lang="ru-RU" sz="1800" b="0" i="0" dirty="0">
                 <a:solidFill>
                   <a:srgbClr val="FFFF00"/>
                 </a:solidFill>
@@ -3636,7 +3672,7 @@
               <a:t>и вышедшая в 1980 году. В конце 1970-х из-за успеха игры </a:t>
             </a:r>
             <a:r>
-              <a:rPr lang="en-US" sz="2200" i="1" dirty="0">
+              <a:rPr lang="en-US" sz="1800" i="1" dirty="0">
                 <a:solidFill>
                   <a:srgbClr val="FFFF00"/>
                 </a:solidFill>
@@ -3644,7 +3680,7 @@
               <a:t>Space Invaders</a:t>
             </a:r>
             <a:r>
-              <a:rPr lang="en-US" sz="2200" b="0" i="0" dirty="0">
+              <a:rPr lang="en-US" sz="1800" b="0" i="0" dirty="0">
                 <a:solidFill>
                   <a:srgbClr val="FFFF00"/>
                 </a:solidFill>
@@ -3653,7 +3689,7 @@
               <a:t> </a:t>
             </a:r>
             <a:r>
-              <a:rPr lang="ru-RU" sz="2200" b="0" i="0" dirty="0">
+              <a:rPr lang="ru-RU" sz="1800" b="0" i="0" dirty="0">
                 <a:solidFill>
                   <a:srgbClr val="FFFF00"/>
                 </a:solidFill>
@@ -3662,7 +3698,7 @@
               <a:t>рынок видеоигр сосредоточился на создании аркадных </a:t>
             </a:r>
             <a:r>
-              <a:rPr lang="ru-RU" sz="2200" dirty="0" err="1">
+              <a:rPr lang="ru-RU" sz="1800" dirty="0" err="1">
                 <a:solidFill>
                   <a:srgbClr val="FFFF00"/>
                 </a:solidFill>
@@ -3670,7 +3706,7 @@
               <a:t>шутемапов</a:t>
             </a:r>
             <a:r>
-              <a:rPr lang="ru-RU" sz="2200" b="0" i="0" dirty="0">
+              <a:rPr lang="ru-RU" sz="1800" b="0" i="0" dirty="0">
                 <a:solidFill>
                   <a:srgbClr val="FFFF00"/>
                 </a:solidFill>
@@ -3679,7 +3715,7 @@
               <a:t> и привлекал к себе сугубо мужскую аудиторию. Сотрудник </a:t>
             </a:r>
             <a:r>
-              <a:rPr lang="en-US" sz="2200" b="0" i="0" dirty="0">
+              <a:rPr lang="en-US" sz="1800" b="0" i="0" dirty="0">
                 <a:solidFill>
                   <a:srgbClr val="FFFF00"/>
                 </a:solidFill>
@@ -3688,7 +3724,7 @@
               <a:t>Namco </a:t>
             </a:r>
             <a:r>
-              <a:rPr lang="ru-RU" sz="2200" dirty="0">
+              <a:rPr lang="ru-RU" sz="1800" dirty="0">
                 <a:solidFill>
                   <a:srgbClr val="FFFF00"/>
                 </a:solidFill>
@@ -3696,7 +3732,7 @@
               <a:t>Тору </a:t>
             </a:r>
             <a:r>
-              <a:rPr lang="ru-RU" sz="2200" dirty="0" err="1">
+              <a:rPr lang="ru-RU" sz="1800" dirty="0" err="1">
                 <a:solidFill>
                   <a:srgbClr val="FFFF00"/>
                 </a:solidFill>
@@ -3704,7 +3740,7 @@
               <a:t>Иватани</a:t>
             </a:r>
             <a:r>
-              <a:rPr lang="ru-RU" sz="2200" b="0" i="0" dirty="0">
+              <a:rPr lang="ru-RU" sz="1800" b="0" i="0" dirty="0">
                 <a:solidFill>
                   <a:srgbClr val="FFFF00"/>
                 </a:solidFill>
@@ -3713,7 +3749,7 @@
               <a:t> хотел сделать игру, которая понравилась бы всем, в особенности </a:t>
             </a:r>
             <a:r>
-              <a:rPr lang="ru-RU" sz="2200" dirty="0">
+              <a:rPr lang="ru-RU" sz="1800" dirty="0">
                 <a:solidFill>
                   <a:srgbClr val="FFFF00"/>
                 </a:solidFill>
@@ -3721,7 +3757,7 @@
               <a:t>девушкам</a:t>
             </a:r>
             <a:r>
-              <a:rPr lang="ru-RU" sz="2200" b="0" i="0" dirty="0">
+              <a:rPr lang="ru-RU" sz="1800" b="0" i="0" dirty="0">
                 <a:solidFill>
                   <a:srgbClr val="FFFF00"/>
                 </a:solidFill>
@@ -3730,7 +3766,7 @@
               <a:t>, и в качестве основной темы своей работы выбрал еду. В Японии созданная игра получила название </a:t>
             </a:r>
             <a:r>
-              <a:rPr lang="en-US" sz="2200" b="1" i="1" dirty="0">
+              <a:rPr lang="en-US" sz="1800" b="1" i="1" dirty="0">
                 <a:solidFill>
                   <a:srgbClr val="FFFF00"/>
                 </a:solidFill>
@@ -3739,7 +3775,7 @@
               <a:t>Puck-Man</a:t>
             </a:r>
             <a:r>
-              <a:rPr lang="en-US" sz="2200" b="0" i="0" dirty="0">
+              <a:rPr lang="en-US" sz="1800" b="0" i="0" dirty="0">
                 <a:solidFill>
                   <a:srgbClr val="FFFF00"/>
                 </a:solidFill>
@@ -3748,7 +3784,7 @@
               <a:t> (</a:t>
             </a:r>
             <a:r>
-              <a:rPr lang="ru-RU" sz="2200" dirty="0">
+              <a:rPr lang="ru-RU" sz="1800" dirty="0">
                 <a:solidFill>
                   <a:srgbClr val="FFFF00"/>
                 </a:solidFill>
@@ -3756,7 +3792,7 @@
               <a:t>яп.</a:t>
             </a:r>
             <a:r>
-              <a:rPr lang="ru-RU" sz="2200" b="0" i="0" dirty="0">
+              <a:rPr lang="ru-RU" sz="1800" b="0" i="0" dirty="0">
                 <a:solidFill>
                   <a:srgbClr val="FFFF00"/>
                 </a:solidFill>
@@ -3765,7 +3801,7 @@
               <a:t> </a:t>
             </a:r>
             <a:r>
-              <a:rPr lang="ja-JP" altLang="en-US" sz="2200" b="0" i="0" dirty="0">
+              <a:rPr lang="ja-JP" altLang="en-US" sz="1800" b="0" i="0" dirty="0">
                 <a:solidFill>
                   <a:srgbClr val="FFFF00"/>
                 </a:solidFill>
@@ -3774,7 +3810,7 @@
               <a:t>パックマン </a:t>
             </a:r>
             <a:r>
-              <a:rPr lang="ru-RU" sz="2200" b="0" i="1" dirty="0" err="1">
+              <a:rPr lang="ru-RU" sz="1800" b="0" i="1" dirty="0" err="1">
                 <a:solidFill>
                   <a:srgbClr val="FFFF00"/>
                 </a:solidFill>
@@ -3783,7 +3819,7 @@
               <a:t>паккуман</a:t>
             </a:r>
             <a:r>
-              <a:rPr lang="ru-RU" sz="2200" b="0" i="0" dirty="0">
+              <a:rPr lang="ru-RU" sz="1800" b="0" i="0" dirty="0">
                 <a:solidFill>
                   <a:srgbClr val="FFFF00"/>
                 </a:solidFill>
@@ -3792,7 +3828,7 @@
               <a:t>), но при </a:t>
             </a:r>
             <a:r>
-              <a:rPr lang="ru-RU" sz="2200" dirty="0">
+              <a:rPr lang="ru-RU" sz="1800" dirty="0">
                 <a:solidFill>
                   <a:srgbClr val="FFFF00"/>
                 </a:solidFill>
@@ -3800,7 +3836,7 @@
               <a:t>локализации</a:t>
             </a:r>
             <a:r>
-              <a:rPr lang="ru-RU" sz="2200" b="0" i="0" dirty="0">
+              <a:rPr lang="ru-RU" sz="1800" b="0" i="0" dirty="0">
                 <a:solidFill>
                   <a:srgbClr val="FFFF00"/>
                 </a:solidFill>
@@ -3809,7 +3845,7 @@
               <a:t> в США компания </a:t>
             </a:r>
             <a:r>
-              <a:rPr lang="en-US" sz="2200" dirty="0">
+              <a:rPr lang="en-US" sz="1800" dirty="0">
                 <a:solidFill>
                   <a:srgbClr val="FFFF00"/>
                 </a:solidFill>
@@ -3817,7 +3853,7 @@
               <a:t>Midway</a:t>
             </a:r>
             <a:r>
-              <a:rPr lang="en-US" sz="2200" b="0" i="0" dirty="0">
+              <a:rPr lang="en-US" sz="1800" b="0" i="0" dirty="0">
                 <a:solidFill>
                   <a:srgbClr val="FFFF00"/>
                 </a:solidFill>
@@ -3826,7 +3862,7 @@
               <a:t> </a:t>
             </a:r>
             <a:r>
-              <a:rPr lang="ru-RU" sz="2200" b="0" i="0" dirty="0">
+              <a:rPr lang="ru-RU" sz="1800" b="0" i="0" dirty="0">
                 <a:solidFill>
                   <a:srgbClr val="FFFF00"/>
                 </a:solidFill>
@@ -3835,7 +3871,7 @@
               <a:t>изменила название на </a:t>
             </a:r>
             <a:r>
-              <a:rPr lang="en-US" sz="2200" b="0" i="1" dirty="0">
+              <a:rPr lang="en-US" sz="1800" b="0" i="1" dirty="0">
                 <a:solidFill>
                   <a:srgbClr val="FFFF00"/>
                 </a:solidFill>
@@ -3844,7 +3880,7 @@
               <a:t>Pac-Man</a:t>
             </a:r>
             <a:r>
-              <a:rPr lang="en-US" sz="2200" b="0" i="0" dirty="0">
+              <a:rPr lang="en-US" sz="1800" b="0" i="0" dirty="0">
                 <a:solidFill>
                   <a:srgbClr val="FFFF00"/>
                 </a:solidFill>
@@ -3853,7 +3889,7 @@
               <a:t>, </a:t>
             </a:r>
             <a:r>
-              <a:rPr lang="ru-RU" sz="2200" b="0" i="0" dirty="0">
+              <a:rPr lang="ru-RU" sz="1800" b="0" i="0" dirty="0">
                 <a:solidFill>
                   <a:srgbClr val="FFFF00"/>
                 </a:solidFill>
@@ -3862,7 +3898,7 @@
               <a:t>считая, что при оригинальном названии дети могли бы закрасить середину буквы «</a:t>
             </a:r>
             <a:r>
-              <a:rPr lang="en-US" sz="2200" b="0" i="0" dirty="0">
+              <a:rPr lang="en-US" sz="1800" b="0" i="0" dirty="0">
                 <a:solidFill>
                   <a:srgbClr val="FFFF00"/>
                 </a:solidFill>
@@ -3871,7 +3907,7 @@
               <a:t>P», </a:t>
             </a:r>
             <a:r>
-              <a:rPr lang="ru-RU" sz="2200" b="0" i="0" dirty="0">
+              <a:rPr lang="ru-RU" sz="1800" b="0" i="0" dirty="0">
                 <a:solidFill>
                   <a:srgbClr val="FFFF00"/>
                 </a:solidFill>
@@ -3880,7 +3916,7 @@
               <a:t>превратив её в «</a:t>
             </a:r>
             <a:r>
-              <a:rPr lang="en-US" sz="2200" b="0" i="0" dirty="0">
+              <a:rPr lang="en-US" sz="1800" b="0" i="0" dirty="0">
                 <a:solidFill>
                   <a:srgbClr val="FFFF00"/>
                 </a:solidFill>
@@ -3889,7 +3925,7 @@
               <a:t>F», </a:t>
             </a:r>
             <a:r>
-              <a:rPr lang="ru-RU" sz="2200" b="0" i="0" dirty="0">
+              <a:rPr lang="ru-RU" sz="1800" b="0" i="0" dirty="0">
                 <a:solidFill>
                   <a:srgbClr val="FFFF00"/>
                 </a:solidFill>
@@ -3898,7 +3934,7 @@
               <a:t>и сделать слово </a:t>
             </a:r>
             <a:r>
-              <a:rPr lang="ru-RU" sz="2200" dirty="0">
+              <a:rPr lang="ru-RU" sz="1800" dirty="0">
                 <a:solidFill>
                   <a:srgbClr val="FFFF00"/>
                 </a:solidFill>
@@ -3906,7 +3942,7 @@
               <a:t>обсценным</a:t>
             </a:r>
             <a:r>
-              <a:rPr lang="ru-RU" sz="2200" b="0" i="0" dirty="0">
+              <a:rPr lang="ru-RU" sz="1800" b="0" i="0" dirty="0">
                 <a:solidFill>
                   <a:srgbClr val="FFFF00"/>
                 </a:solidFill>
@@ -3920,6 +3956,78 @@
           </a:p>
         </p:txBody>
       </p:sp>
+      <p:pic>
+        <p:nvPicPr>
+          <p:cNvPr id="11" name="Рисунок 10">
+            <a:extLst>
+              <a:ext uri="{FF2B5EF4-FFF2-40B4-BE49-F238E27FC236}">
+                <a16:creationId xmlns:a16="http://schemas.microsoft.com/office/drawing/2014/main" id="{228D0C26-B72C-414B-AFA1-C0F2B09A341B}"/>
+              </a:ext>
+            </a:extLst>
+          </p:cNvPr>
+          <p:cNvPicPr>
+            <a:picLocks noChangeAspect="1"/>
+          </p:cNvPicPr>
+          <p:nvPr/>
+        </p:nvPicPr>
+        <p:blipFill>
+          <a:blip r:embed="rId3">
+            <a:extLst>
+              <a:ext uri="{28A0092B-C50C-407E-A947-70E740481C1C}">
+                <a14:useLocalDpi xmlns:a14="http://schemas.microsoft.com/office/drawing/2010/main" val="0"/>
+              </a:ext>
+            </a:extLst>
+          </a:blip>
+          <a:stretch>
+            <a:fillRect/>
+          </a:stretch>
+        </p:blipFill>
+        <p:spPr>
+          <a:xfrm>
+            <a:off x="942203" y="3970349"/>
+            <a:ext cx="1010326" cy="829230"/>
+          </a:xfrm>
+          <a:prstGeom prst="rect">
+            <a:avLst/>
+          </a:prstGeom>
+        </p:spPr>
+      </p:pic>
+      <p:pic>
+        <p:nvPicPr>
+          <p:cNvPr id="13" name="Рисунок 12">
+            <a:extLst>
+              <a:ext uri="{FF2B5EF4-FFF2-40B4-BE49-F238E27FC236}">
+                <a16:creationId xmlns:a16="http://schemas.microsoft.com/office/drawing/2014/main" id="{E147B9EC-8316-41EB-904F-FF1ABDF7FB95}"/>
+              </a:ext>
+            </a:extLst>
+          </p:cNvPr>
+          <p:cNvPicPr>
+            <a:picLocks noChangeAspect="1"/>
+          </p:cNvPicPr>
+          <p:nvPr/>
+        </p:nvPicPr>
+        <p:blipFill>
+          <a:blip r:embed="rId4">
+            <a:extLst>
+              <a:ext uri="{28A0092B-C50C-407E-A947-70E740481C1C}">
+                <a14:useLocalDpi xmlns:a14="http://schemas.microsoft.com/office/drawing/2010/main" val="0"/>
+              </a:ext>
+            </a:extLst>
+          </a:blip>
+          <a:stretch>
+            <a:fillRect/>
+          </a:stretch>
+        </p:blipFill>
+        <p:spPr>
+          <a:xfrm>
+            <a:off x="2969883" y="4795898"/>
+            <a:ext cx="781573" cy="829230"/>
+          </a:xfrm>
+          <a:prstGeom prst="rect">
+            <a:avLst/>
+          </a:prstGeom>
+        </p:spPr>
+      </p:pic>
     </p:spTree>
     <p:extLst>
       <p:ext uri="{BB962C8B-B14F-4D97-AF65-F5344CB8AC3E}">
@@ -4001,7 +4109,12 @@
             <p:ph idx="1"/>
           </p:nvPr>
         </p:nvSpPr>
-        <p:spPr/>
+        <p:spPr>
+          <a:xfrm>
+            <a:off x="838200" y="1825625"/>
+            <a:ext cx="6376060" cy="4028910"/>
+          </a:xfrm>
+        </p:spPr>
         <p:txBody>
           <a:bodyPr>
             <a:normAutofit/>
@@ -4009,7 +4122,7 @@
           <a:lstStyle/>
           <a:p>
             <a:r>
-              <a:rPr lang="ru-RU" sz="2000" b="0" i="0" dirty="0">
+              <a:rPr lang="ru-RU" sz="1600" b="0" i="0" dirty="0">
                 <a:solidFill>
                   <a:srgbClr val="FFFF00"/>
                 </a:solidFill>
@@ -4019,7 +4132,7 @@
               <a:t>Экран игры занимает собой лабиринт, коридоры которого заполнены точками. Задача игрока — управляя </a:t>
             </a:r>
             <a:r>
-              <a:rPr lang="ru-RU" sz="2000" b="0" i="0" dirty="0" err="1">
+              <a:rPr lang="ru-RU" sz="1600" b="0" i="0" dirty="0" err="1">
                 <a:solidFill>
                   <a:srgbClr val="FFFF00"/>
                 </a:solidFill>
@@ -4029,7 +4142,7 @@
               <a:t>Пакманом</a:t>
             </a:r>
             <a:r>
-              <a:rPr lang="ru-RU" sz="2000" b="0" i="0" dirty="0">
+              <a:rPr lang="ru-RU" sz="1600" b="0" i="0" dirty="0">
                 <a:solidFill>
                   <a:srgbClr val="FFFF00"/>
                 </a:solidFill>
@@ -4039,7 +4152,7 @@
               <a:t>, съесть все точки в лабиринте, избегая встречи с привидениями, которые гоняются за героем. В начале каждого уровня призраки находятся в недоступной </a:t>
             </a:r>
             <a:r>
-              <a:rPr lang="ru-RU" sz="2000" b="0" i="0" dirty="0" err="1">
+              <a:rPr lang="ru-RU" sz="1600" b="0" i="0" dirty="0" err="1">
                 <a:solidFill>
                   <a:srgbClr val="FFFF00"/>
                 </a:solidFill>
@@ -4049,7 +4162,7 @@
               <a:t>Пакману</a:t>
             </a:r>
             <a:r>
-              <a:rPr lang="ru-RU" sz="2000" b="0" i="0" dirty="0">
+              <a:rPr lang="ru-RU" sz="1600" b="0" i="0" dirty="0">
                 <a:solidFill>
                   <a:srgbClr val="FFFF00"/>
                 </a:solidFill>
@@ -4059,7 +4172,7 @@
               <a:t> прямоугольной комнате в середине уровня, из которой они со временем освобождаются. Если привидение дотронется до </a:t>
             </a:r>
             <a:r>
-              <a:rPr lang="ru-RU" sz="2000" b="0" i="0" dirty="0" err="1">
+              <a:rPr lang="ru-RU" sz="1600" b="0" i="0" dirty="0" err="1">
                 <a:solidFill>
                   <a:srgbClr val="FFFF00"/>
                 </a:solidFill>
@@ -4069,7 +4182,7 @@
               <a:t>Пакмана</a:t>
             </a:r>
             <a:r>
-              <a:rPr lang="ru-RU" sz="2000" b="0" i="0" dirty="0">
+              <a:rPr lang="ru-RU" sz="1600" b="0" i="0" dirty="0">
                 <a:solidFill>
                   <a:srgbClr val="FFFF00"/>
                 </a:solidFill>
@@ -4079,7 +4192,7 @@
               <a:t>, то его жизнь теряется, призраки и </a:t>
             </a:r>
             <a:r>
-              <a:rPr lang="ru-RU" sz="2000" b="0" i="0" dirty="0" err="1">
+              <a:rPr lang="ru-RU" sz="1600" b="0" i="0" dirty="0" err="1">
                 <a:solidFill>
                   <a:srgbClr val="FFFF00"/>
                 </a:solidFill>
@@ -4089,7 +4202,7 @@
               <a:t>Пакман</a:t>
             </a:r>
             <a:r>
-              <a:rPr lang="ru-RU" sz="2000" b="0" i="0" dirty="0">
+              <a:rPr lang="ru-RU" sz="1600" b="0" i="0" dirty="0">
                 <a:solidFill>
                   <a:srgbClr val="FFFF00"/>
                 </a:solidFill>
@@ -4099,7 +4212,7 @@
               <a:t> возвращаются на исходную позицию, но при этом прогресс собранных точек сохраняется. Если при столкновении с призраком у </a:t>
             </a:r>
             <a:r>
-              <a:rPr lang="ru-RU" sz="2000" b="0" i="0" dirty="0" err="1">
+              <a:rPr lang="ru-RU" sz="1600" b="0" i="0" dirty="0" err="1">
                 <a:solidFill>
                   <a:srgbClr val="FFFF00"/>
                 </a:solidFill>
@@ -4109,7 +4222,7 @@
               <a:t>Пакмана</a:t>
             </a:r>
             <a:r>
-              <a:rPr lang="ru-RU" sz="2000" b="0" i="0" dirty="0">
+              <a:rPr lang="ru-RU" sz="1600" b="0" i="0" dirty="0">
                 <a:solidFill>
                   <a:srgbClr val="FFFF00"/>
                 </a:solidFill>
@@ -4119,7 +4232,7 @@
               <a:t> не осталось дополнительных жизней, то игра заканчивается. После съедения всех точек начинается новый уровень в том же лабиринте. По бокам лабиринта находятся два входа в один туннель, при вхождении в который </a:t>
             </a:r>
             <a:r>
-              <a:rPr lang="ru-RU" sz="2000" b="0" i="0" dirty="0" err="1">
+              <a:rPr lang="ru-RU" sz="1600" b="0" i="0" dirty="0" err="1">
                 <a:solidFill>
                   <a:srgbClr val="FFFF00"/>
                 </a:solidFill>
@@ -4129,7 +4242,7 @@
               <a:t>Пакман</a:t>
             </a:r>
             <a:r>
-              <a:rPr lang="ru-RU" sz="2000" b="0" i="0" dirty="0">
+              <a:rPr lang="ru-RU" sz="1600" b="0" i="0" dirty="0">
                 <a:solidFill>
                   <a:srgbClr val="FFFF00"/>
                 </a:solidFill>
@@ -4138,7 +4251,7 @@
               </a:rPr>
               <a:t> и призраки выходят с другой стороны лабиринта.</a:t>
             </a:r>
-            <a:endParaRPr lang="ru-RU" sz="2000" dirty="0">
+            <a:endParaRPr lang="ru-RU" sz="1600" dirty="0">
               <a:solidFill>
                 <a:srgbClr val="FFFF00"/>
               </a:solidFill>
@@ -4146,6 +4259,41 @@
           </a:p>
         </p:txBody>
       </p:sp>
+      <p:pic>
+        <p:nvPicPr>
+          <p:cNvPr id="5" name="Рисунок 4">
+            <a:extLst>
+              <a:ext uri="{FF2B5EF4-FFF2-40B4-BE49-F238E27FC236}">
+                <a16:creationId xmlns:a16="http://schemas.microsoft.com/office/drawing/2014/main" id="{A2E6B832-582A-49F1-B1ED-EDFEC84A59C7}"/>
+              </a:ext>
+            </a:extLst>
+          </p:cNvPr>
+          <p:cNvPicPr>
+            <a:picLocks noChangeAspect="1"/>
+          </p:cNvPicPr>
+          <p:nvPr/>
+        </p:nvPicPr>
+        <p:blipFill rotWithShape="1">
+          <a:blip r:embed="rId2">
+            <a:extLst>
+              <a:ext uri="{28A0092B-C50C-407E-A947-70E740481C1C}">
+                <a14:useLocalDpi xmlns:a14="http://schemas.microsoft.com/office/drawing/2010/main" val="0"/>
+              </a:ext>
+            </a:extLst>
+          </a:blip>
+          <a:srcRect l="32452" t="26093" r="46762" b="33635"/>
+          <a:stretch/>
+        </p:blipFill>
+        <p:spPr>
+          <a:xfrm>
+            <a:off x="8229599" y="1825625"/>
+            <a:ext cx="1888178" cy="2057729"/>
+          </a:xfrm>
+          <a:prstGeom prst="rect">
+            <a:avLst/>
+          </a:prstGeom>
+        </p:spPr>
+      </p:pic>
     </p:spTree>
     <p:extLst>
       <p:ext uri="{BB962C8B-B14F-4D97-AF65-F5344CB8AC3E}">
@@ -4400,13 +4548,13 @@
   <p:clrMapOvr>
     <a:masterClrMapping/>
   </p:clrMapOvr>
-  <mc:AlternateContent xmlns:mc="http://schemas.openxmlformats.org/markup-compatibility/2006">
-    <mc:Choice xmlns:p14="http://schemas.microsoft.com/office/powerpoint/2010/main" Requires="p14">
+  <mc:AlternateContent xmlns:mc="http://schemas.openxmlformats.org/markup-compatibility/2006" xmlns:p14="http://schemas.microsoft.com/office/powerpoint/2010/main">
+    <mc:Choice Requires="p14">
       <p:transition spd="slow" p14:dur="1400">
         <p14:ripple/>
       </p:transition>
     </mc:Choice>
-    <mc:Fallback>
+    <mc:Fallback xmlns="">
       <p:transition spd="slow">
         <p:fade/>
       </p:transition>
